--- a/database/slides/COME_IN_PILGRIM.pptx
+++ b/database/slides/COME_IN_PILGRIM.pptx
@@ -15872,7 +15872,13 @@
       </p:sp>
       <p:sp>
         <p:nvSpPr>
-          <p:cNvPr id="131" name="Google Shape;131;p25"/>
+          <p:cNvPr id="2" name="Google Shape;131;p25">
+            <a:extLst>
+              <a:ext uri="{FF2B5EF4-FFF2-40B4-BE49-F238E27FC236}">
+                <a16:creationId xmlns:a16="http://schemas.microsoft.com/office/drawing/2014/main" id="{2CDCA432-7410-A6ED-BE9D-5F1EB8F27075}"/>
+              </a:ext>
+            </a:extLst>
+          </p:cNvPr>
           <p:cNvSpPr txBox="1"/>
           <p:nvPr/>
         </p:nvSpPr>
@@ -15917,9 +15923,16 @@
                 <a:latin typeface="Calibri"/>
                 <a:ea typeface="Calibri"/>
                 <a:cs typeface="Calibri"/>
+                <a:sym typeface="Calibri"/>
               </a:rPr>
               <a:t>contd..</a:t>
             </a:r>
+            <a:endParaRPr sz="3600" dirty="0">
+              <a:latin typeface="Calibri"/>
+              <a:ea typeface="Calibri"/>
+              <a:cs typeface="Calibri"/>
+              <a:sym typeface="Calibri"/>
+            </a:endParaRPr>
           </a:p>
         </p:txBody>
       </p:sp>
@@ -16201,7 +16214,13 @@
       </p:sp>
       <p:sp>
         <p:nvSpPr>
-          <p:cNvPr id="131" name="Google Shape;131;p25"/>
+          <p:cNvPr id="2" name="Google Shape;131;p25">
+            <a:extLst>
+              <a:ext uri="{FF2B5EF4-FFF2-40B4-BE49-F238E27FC236}">
+                <a16:creationId xmlns:a16="http://schemas.microsoft.com/office/drawing/2014/main" id="{79AE2F11-9D34-7B73-EE1D-8E3DBD47EB6E}"/>
+              </a:ext>
+            </a:extLst>
+          </p:cNvPr>
           <p:cNvSpPr txBox="1"/>
           <p:nvPr/>
         </p:nvSpPr>
@@ -16246,9 +16265,16 @@
                 <a:latin typeface="Calibri"/>
                 <a:ea typeface="Calibri"/>
                 <a:cs typeface="Calibri"/>
+                <a:sym typeface="Calibri"/>
               </a:rPr>
               <a:t>contd..</a:t>
             </a:r>
+            <a:endParaRPr sz="3600" dirty="0">
+              <a:latin typeface="Calibri"/>
+              <a:ea typeface="Calibri"/>
+              <a:cs typeface="Calibri"/>
+              <a:sym typeface="Calibri"/>
+            </a:endParaRPr>
           </a:p>
         </p:txBody>
       </p:sp>
